--- a/9.Deep_learning/class_7_computer_vision.pptx
+++ b/9.Deep_learning/class_7_computer_vision.pptx
@@ -5,20 +5,21 @@
     <p:sldMasterId id="2147483648" r:id="rId1"/>
   </p:sldMasterIdLst>
   <p:notesMasterIdLst>
-    <p:notesMasterId r:id="rId14"/>
+    <p:notesMasterId r:id="rId15"/>
   </p:notesMasterIdLst>
   <p:sldIdLst>
-    <p:sldId id="393" r:id="rId3"/>
-    <p:sldId id="394" r:id="rId4"/>
-    <p:sldId id="368" r:id="rId5"/>
-    <p:sldId id="399" r:id="rId6"/>
-    <p:sldId id="391" r:id="rId7"/>
-    <p:sldId id="392" r:id="rId8"/>
-    <p:sldId id="272" r:id="rId9"/>
-    <p:sldId id="397" r:id="rId10"/>
-    <p:sldId id="400" r:id="rId11"/>
-    <p:sldId id="401" r:id="rId12"/>
-    <p:sldId id="398" r:id="rId13"/>
+    <p:sldId id="402" r:id="rId3"/>
+    <p:sldId id="393" r:id="rId4"/>
+    <p:sldId id="394" r:id="rId5"/>
+    <p:sldId id="368" r:id="rId6"/>
+    <p:sldId id="399" r:id="rId7"/>
+    <p:sldId id="391" r:id="rId8"/>
+    <p:sldId id="392" r:id="rId9"/>
+    <p:sldId id="272" r:id="rId10"/>
+    <p:sldId id="397" r:id="rId11"/>
+    <p:sldId id="400" r:id="rId12"/>
+    <p:sldId id="401" r:id="rId13"/>
+    <p:sldId id="398" r:id="rId14"/>
   </p:sldIdLst>
   <p:sldSz cx="12192000" cy="6858000"/>
   <p:notesSz cx="6858000" cy="9144000"/>
@@ -3490,73 +3491,76 @@
         <p:nvPr/>
       </p:nvGrpSpPr>
       <p:grpSpPr/>
+      <p:sp>
+        <p:nvSpPr>
+          <p:cNvPr id="2" name="Text Box 1"/>
+          <p:cNvSpPr txBox="1"/>
+          <p:nvPr/>
+        </p:nvSpPr>
+        <p:spPr>
+          <a:xfrm>
+            <a:off x="3048000" y="123825"/>
+            <a:ext cx="6096000" cy="768350"/>
+          </a:xfrm>
+          <a:prstGeom prst="rect">
+            <a:avLst/>
+          </a:prstGeom>
+          <a:noFill/>
+        </p:spPr>
+        <p:txBody>
+          <a:bodyPr wrap="square" rtlCol="0" anchor="t">
+            <a:spAutoFit/>
+          </a:bodyPr>
+          <a:p>
+            <a:r>
+              <a:rPr lang="en-IN" altLang="en-US" sz="4400" b="1">
+                <a:solidFill>
+                  <a:srgbClr val="FF0000"/>
+                </a:solidFill>
+                <a:effectLst>
+                  <a:outerShdw blurRad="38100" dist="38100" dir="2700000" algn="tl">
+                    <a:srgbClr val="000000">
+                      <a:alpha val="43137"/>
+                    </a:srgbClr>
+                  </a:outerShdw>
+                </a:effectLst>
+                <a:sym typeface="+mn-ea"/>
+              </a:rPr>
+              <a:t>Computer Vision</a:t>
+            </a:r>
+            <a:endParaRPr lang="en-IN" altLang="en-US" sz="4400" b="1">
+              <a:solidFill>
+                <a:srgbClr val="FF0000"/>
+              </a:solidFill>
+              <a:effectLst>
+                <a:outerShdw blurRad="38100" dist="38100" dir="2700000" algn="tl">
+                  <a:srgbClr val="000000">
+                    <a:alpha val="43137"/>
+                  </a:srgbClr>
+                </a:outerShdw>
+              </a:effectLst>
+              <a:sym typeface="+mn-ea"/>
+            </a:endParaRPr>
+          </a:p>
+        </p:txBody>
+      </p:sp>
       <p:pic>
         <p:nvPicPr>
-          <p:cNvPr id="4" name="Picture 3"/>
+          <p:cNvPr id="7" name="Picture 6"/>
           <p:cNvPicPr/>
           <p:nvPr/>
         </p:nvPicPr>
         <p:blipFill>
           <a:blip r:embed="rId1"/>
+          <a:srcRect l="28438" r="23719"/>
           <a:stretch>
             <a:fillRect/>
           </a:stretch>
         </p:blipFill>
         <p:spPr>
           <a:xfrm>
-            <a:off x="238760" y="0"/>
-            <a:ext cx="5855970" cy="4417060"/>
-          </a:xfrm>
-          <a:prstGeom prst="rect">
-            <a:avLst/>
-          </a:prstGeom>
-        </p:spPr>
-      </p:pic>
-      <p:sp>
-        <p:nvSpPr>
-          <p:cNvPr id="5" name="Text Box 4"/>
-          <p:cNvSpPr txBox="1"/>
-          <p:nvPr/>
-        </p:nvSpPr>
-        <p:spPr>
-          <a:xfrm>
-            <a:off x="238760" y="6318250"/>
-            <a:ext cx="6096000" cy="368300"/>
-          </a:xfrm>
-          <a:prstGeom prst="rect">
-            <a:avLst/>
-          </a:prstGeom>
-          <a:noFill/>
-        </p:spPr>
-        <p:txBody>
-          <a:bodyPr wrap="square" rtlCol="0" anchor="t">
-            <a:spAutoFit/>
-          </a:bodyPr>
-          <a:p>
-            <a:r>
-              <a:rPr lang="en-US" altLang="en-US"/>
-              <a:t>https://ellow.io/components-of-ai/</a:t>
-            </a:r>
-            <a:endParaRPr lang="en-US"/>
-          </a:p>
-        </p:txBody>
-      </p:sp>
-      <p:pic>
-        <p:nvPicPr>
-          <p:cNvPr id="6" name="Picture 5"/>
-          <p:cNvPicPr/>
-          <p:nvPr/>
-        </p:nvPicPr>
-        <p:blipFill>
-          <a:blip r:embed="rId2"/>
-          <a:stretch>
-            <a:fillRect/>
-          </a:stretch>
-        </p:blipFill>
-        <p:spPr>
-          <a:xfrm>
-            <a:off x="6477000" y="2571750"/>
-            <a:ext cx="5715000" cy="4286250"/>
+            <a:off x="1722120" y="1212850"/>
+            <a:ext cx="7421880" cy="5109845"/>
           </a:xfrm>
           <a:prstGeom prst="rect">
             <a:avLst/>
@@ -3589,8 +3593,8 @@
         </p:nvSpPr>
         <p:spPr>
           <a:xfrm>
-            <a:off x="2138045" y="1518285"/>
-            <a:ext cx="7753985" cy="1906905"/>
+            <a:off x="215265" y="0"/>
+            <a:ext cx="6096000" cy="4327525"/>
           </a:xfrm>
           <a:prstGeom prst="rect">
             <a:avLst/>
@@ -3598,29 +3602,461 @@
           <a:noFill/>
         </p:spPr>
         <p:txBody>
+          <a:bodyPr wrap="square" rtlCol="0" anchor="t">
+            <a:spAutoFit/>
+          </a:bodyPr>
+          <a:p>
+            <a:pPr marL="0" indent="0">
+              <a:spcBef>
+                <a:spcPts val="1000"/>
+              </a:spcBef>
+              <a:spcAft>
+                <a:spcPts val="500"/>
+              </a:spcAft>
+            </a:pPr>
+            <a:r>
+              <a:rPr sz="2500">
+                <a:solidFill>
+                  <a:srgbClr val="333333"/>
+                </a:solidFill>
+                <a:latin typeface="Tomorrow"/>
+                <a:ea typeface="Tomorrow"/>
+                <a:sym typeface="+mn-ea"/>
+              </a:rPr>
+              <a:t>Computer Vision &amp; OpenCV  </a:t>
+            </a:r>
+            <a:endParaRPr sz="2500" b="0" i="0">
+              <a:solidFill>
+                <a:srgbClr val="333333"/>
+              </a:solidFill>
+              <a:latin typeface="Tomorrow"/>
+              <a:ea typeface="Tomorrow"/>
+            </a:endParaRPr>
+          </a:p>
+          <a:p>
+            <a:pPr marL="742950" lvl="1" indent="-285750">
+              <a:lnSpc>
+                <a:spcPct val="140000"/>
+              </a:lnSpc>
+              <a:spcBef>
+                <a:spcPct val="0"/>
+              </a:spcBef>
+              <a:spcAft>
+                <a:spcPct val="0"/>
+              </a:spcAft>
+              <a:buFont typeface="Arial" panose="020B0604020202020204" pitchFamily="34" charset="0"/>
+              <a:buChar char="•"/>
+            </a:pPr>
+            <a:r>
+              <a:rPr sz="1600">
+                <a:solidFill>
+                  <a:srgbClr val="333333"/>
+                </a:solidFill>
+                <a:latin typeface="Tomorrow"/>
+                <a:ea typeface="Tomorrow"/>
+                <a:sym typeface="+mn-ea"/>
+              </a:rPr>
+              <a:t>What is Computer Vision</a:t>
+            </a:r>
+            <a:endParaRPr sz="1600" b="0" i="0">
+              <a:solidFill>
+                <a:srgbClr val="333333"/>
+              </a:solidFill>
+              <a:latin typeface="Tomorrow"/>
+              <a:ea typeface="Tomorrow"/>
+            </a:endParaRPr>
+          </a:p>
+          <a:p>
+            <a:pPr marL="742950" lvl="1" indent="-285750">
+              <a:lnSpc>
+                <a:spcPct val="140000"/>
+              </a:lnSpc>
+              <a:spcBef>
+                <a:spcPct val="0"/>
+              </a:spcBef>
+              <a:spcAft>
+                <a:spcPct val="0"/>
+              </a:spcAft>
+              <a:buFont typeface="Arial" panose="020B0604020202020204" pitchFamily="34" charset="0"/>
+              <a:buChar char="•"/>
+            </a:pPr>
+            <a:r>
+              <a:rPr sz="1600">
+                <a:solidFill>
+                  <a:srgbClr val="333333"/>
+                </a:solidFill>
+                <a:latin typeface="Tomorrow"/>
+                <a:ea typeface="Tomorrow"/>
+                <a:sym typeface="+mn-ea"/>
+              </a:rPr>
+              <a:t>History of Computer Vision</a:t>
+            </a:r>
+            <a:endParaRPr sz="1600" b="0" i="0">
+              <a:solidFill>
+                <a:srgbClr val="333333"/>
+              </a:solidFill>
+              <a:latin typeface="Tomorrow"/>
+              <a:ea typeface="Tomorrow"/>
+            </a:endParaRPr>
+          </a:p>
+          <a:p>
+            <a:pPr marL="742950" lvl="1" indent="-285750">
+              <a:lnSpc>
+                <a:spcPct val="140000"/>
+              </a:lnSpc>
+              <a:spcBef>
+                <a:spcPct val="0"/>
+              </a:spcBef>
+              <a:spcAft>
+                <a:spcPct val="0"/>
+              </a:spcAft>
+              <a:buFont typeface="Arial" panose="020B0604020202020204" pitchFamily="34" charset="0"/>
+              <a:buChar char="•"/>
+            </a:pPr>
+            <a:r>
+              <a:rPr sz="1600">
+                <a:solidFill>
+                  <a:srgbClr val="333333"/>
+                </a:solidFill>
+                <a:latin typeface="Tomorrow"/>
+                <a:ea typeface="Tomorrow"/>
+                <a:sym typeface="+mn-ea"/>
+              </a:rPr>
+              <a:t>Tools &amp; Technology used in Computer Vision</a:t>
+            </a:r>
+            <a:endParaRPr sz="1600" b="0" i="0">
+              <a:solidFill>
+                <a:srgbClr val="333333"/>
+              </a:solidFill>
+              <a:latin typeface="Tomorrow"/>
+              <a:ea typeface="Tomorrow"/>
+            </a:endParaRPr>
+          </a:p>
+          <a:p>
+            <a:pPr marL="742950" lvl="1" indent="-285750">
+              <a:lnSpc>
+                <a:spcPct val="140000"/>
+              </a:lnSpc>
+              <a:spcBef>
+                <a:spcPct val="0"/>
+              </a:spcBef>
+              <a:spcAft>
+                <a:spcPct val="0"/>
+              </a:spcAft>
+              <a:buFont typeface="Arial" panose="020B0604020202020204" pitchFamily="34" charset="0"/>
+              <a:buChar char="•"/>
+            </a:pPr>
+            <a:r>
+              <a:rPr sz="1600">
+                <a:solidFill>
+                  <a:srgbClr val="333333"/>
+                </a:solidFill>
+                <a:latin typeface="Tomorrow"/>
+                <a:ea typeface="Tomorrow"/>
+                <a:sym typeface="+mn-ea"/>
+              </a:rPr>
+              <a:t>Application of Computer Vision</a:t>
+            </a:r>
+            <a:endParaRPr sz="1600" b="0" i="0">
+              <a:solidFill>
+                <a:srgbClr val="333333"/>
+              </a:solidFill>
+              <a:latin typeface="Tomorrow"/>
+              <a:ea typeface="Tomorrow"/>
+            </a:endParaRPr>
+          </a:p>
+          <a:p>
+            <a:pPr marL="742950" lvl="1" indent="-285750">
+              <a:lnSpc>
+                <a:spcPct val="140000"/>
+              </a:lnSpc>
+              <a:spcBef>
+                <a:spcPct val="0"/>
+              </a:spcBef>
+              <a:spcAft>
+                <a:spcPct val="0"/>
+              </a:spcAft>
+              <a:buFont typeface="Arial" panose="020B0604020202020204" pitchFamily="34" charset="0"/>
+              <a:buChar char="•"/>
+            </a:pPr>
+            <a:r>
+              <a:rPr sz="1600">
+                <a:solidFill>
+                  <a:srgbClr val="333333"/>
+                </a:solidFill>
+                <a:latin typeface="Tomorrow"/>
+                <a:ea typeface="Tomorrow"/>
+                <a:sym typeface="+mn-ea"/>
+              </a:rPr>
+              <a:t>What is OpenCV</a:t>
+            </a:r>
+            <a:endParaRPr sz="1600" b="0" i="0">
+              <a:solidFill>
+                <a:srgbClr val="333333"/>
+              </a:solidFill>
+              <a:latin typeface="Tomorrow"/>
+              <a:ea typeface="Tomorrow"/>
+            </a:endParaRPr>
+          </a:p>
+          <a:p>
+            <a:pPr marL="742950" lvl="1" indent="-285750">
+              <a:lnSpc>
+                <a:spcPct val="140000"/>
+              </a:lnSpc>
+              <a:spcBef>
+                <a:spcPct val="0"/>
+              </a:spcBef>
+              <a:spcAft>
+                <a:spcPct val="0"/>
+              </a:spcAft>
+              <a:buFont typeface="Arial" panose="020B0604020202020204" pitchFamily="34" charset="0"/>
+              <a:buChar char="•"/>
+            </a:pPr>
+            <a:r>
+              <a:rPr sz="1600">
+                <a:solidFill>
+                  <a:srgbClr val="333333"/>
+                </a:solidFill>
+                <a:latin typeface="Tomorrow"/>
+                <a:ea typeface="Tomorrow"/>
+                <a:sym typeface="+mn-ea"/>
+              </a:rPr>
+              <a:t>Installation of OpenCV</a:t>
+            </a:r>
+            <a:endParaRPr sz="1600" b="0" i="0">
+              <a:solidFill>
+                <a:srgbClr val="333333"/>
+              </a:solidFill>
+              <a:latin typeface="Tomorrow"/>
+              <a:ea typeface="Tomorrow"/>
+            </a:endParaRPr>
+          </a:p>
+          <a:p>
+            <a:pPr marL="742950" lvl="1" indent="-285750">
+              <a:lnSpc>
+                <a:spcPct val="140000"/>
+              </a:lnSpc>
+              <a:spcBef>
+                <a:spcPct val="0"/>
+              </a:spcBef>
+              <a:spcAft>
+                <a:spcPct val="0"/>
+              </a:spcAft>
+              <a:buFont typeface="Arial" panose="020B0604020202020204" pitchFamily="34" charset="0"/>
+              <a:buChar char="•"/>
+            </a:pPr>
+            <a:r>
+              <a:rPr sz="1600">
+                <a:solidFill>
+                  <a:srgbClr val="333333"/>
+                </a:solidFill>
+                <a:latin typeface="Tomorrow"/>
+                <a:ea typeface="Tomorrow"/>
+                <a:sym typeface="+mn-ea"/>
+              </a:rPr>
+              <a:t>First program with OpenCV</a:t>
+            </a:r>
+            <a:endParaRPr sz="1600" b="0" i="0">
+              <a:solidFill>
+                <a:srgbClr val="333333"/>
+              </a:solidFill>
+              <a:latin typeface="Tomorrow"/>
+              <a:ea typeface="Tomorrow"/>
+            </a:endParaRPr>
+          </a:p>
+          <a:p>
+            <a:pPr marL="742950" lvl="1" indent="-285750">
+              <a:lnSpc>
+                <a:spcPct val="140000"/>
+              </a:lnSpc>
+              <a:spcBef>
+                <a:spcPct val="0"/>
+              </a:spcBef>
+              <a:spcAft>
+                <a:spcPct val="0"/>
+              </a:spcAft>
+              <a:buFont typeface="Arial" panose="020B0604020202020204" pitchFamily="34" charset="0"/>
+              <a:buChar char="•"/>
+            </a:pPr>
+            <a:r>
+              <a:rPr sz="1600" b="1">
+                <a:solidFill>
+                  <a:srgbClr val="333333"/>
+                </a:solidFill>
+                <a:effectLst>
+                  <a:outerShdw blurRad="38100" dist="38100" dir="2700000" algn="tl">
+                    <a:srgbClr val="000000">
+                      <a:alpha val="43137"/>
+                    </a:srgbClr>
+                  </a:outerShdw>
+                </a:effectLst>
+                <a:latin typeface="Tomorrow"/>
+                <a:ea typeface="Tomorrow"/>
+                <a:sym typeface="+mn-ea"/>
+              </a:rPr>
+              <a:t>Reading &amp; Writing Images</a:t>
+            </a:r>
+            <a:endParaRPr sz="1600" b="1" i="0">
+              <a:solidFill>
+                <a:srgbClr val="333333"/>
+              </a:solidFill>
+              <a:effectLst>
+                <a:outerShdw blurRad="38100" dist="38100" dir="2700000" algn="tl">
+                  <a:srgbClr val="000000">
+                    <a:alpha val="43137"/>
+                  </a:srgbClr>
+                </a:outerShdw>
+              </a:effectLst>
+              <a:latin typeface="Tomorrow"/>
+              <a:ea typeface="Tomorrow"/>
+            </a:endParaRPr>
+          </a:p>
+          <a:p>
+            <a:pPr marL="742950" lvl="1" indent="-285750">
+              <a:lnSpc>
+                <a:spcPct val="140000"/>
+              </a:lnSpc>
+              <a:spcBef>
+                <a:spcPct val="0"/>
+              </a:spcBef>
+              <a:spcAft>
+                <a:spcPct val="0"/>
+              </a:spcAft>
+              <a:buFont typeface="Arial" panose="020B0604020202020204" pitchFamily="34" charset="0"/>
+              <a:buChar char="•"/>
+            </a:pPr>
+            <a:r>
+              <a:rPr sz="1600" b="1">
+                <a:solidFill>
+                  <a:srgbClr val="333333"/>
+                </a:solidFill>
+                <a:effectLst>
+                  <a:outerShdw blurRad="38100" dist="38100" dir="2700000" algn="tl">
+                    <a:srgbClr val="000000">
+                      <a:alpha val="43137"/>
+                    </a:srgbClr>
+                  </a:outerShdw>
+                </a:effectLst>
+                <a:latin typeface="Tomorrow"/>
+                <a:ea typeface="Tomorrow"/>
+                <a:sym typeface="+mn-ea"/>
+              </a:rPr>
+              <a:t>Capture Videos from Camera</a:t>
+            </a:r>
+            <a:endParaRPr sz="1600" b="1" i="0">
+              <a:solidFill>
+                <a:srgbClr val="333333"/>
+              </a:solidFill>
+              <a:effectLst>
+                <a:outerShdw blurRad="38100" dist="38100" dir="2700000" algn="tl">
+                  <a:srgbClr val="000000">
+                    <a:alpha val="43137"/>
+                  </a:srgbClr>
+                </a:outerShdw>
+              </a:effectLst>
+              <a:latin typeface="Tomorrow"/>
+              <a:ea typeface="Tomorrow"/>
+            </a:endParaRPr>
+          </a:p>
+          <a:p>
+            <a:pPr marL="742950" lvl="1" indent="-285750">
+              <a:lnSpc>
+                <a:spcPct val="140000"/>
+              </a:lnSpc>
+              <a:spcBef>
+                <a:spcPct val="0"/>
+              </a:spcBef>
+              <a:spcAft>
+                <a:spcPct val="0"/>
+              </a:spcAft>
+              <a:buFont typeface="Arial" panose="020B0604020202020204" pitchFamily="34" charset="0"/>
+              <a:buChar char="•"/>
+            </a:pPr>
+            <a:r>
+              <a:rPr sz="1600">
+                <a:solidFill>
+                  <a:srgbClr val="333333"/>
+                </a:solidFill>
+                <a:latin typeface="Tomorrow"/>
+                <a:ea typeface="Tomorrow"/>
+                <a:sym typeface="+mn-ea"/>
+              </a:rPr>
+              <a:t>Reading &amp; Saving Videos</a:t>
+            </a:r>
+            <a:endParaRPr sz="1600" b="0" i="0">
+              <a:solidFill>
+                <a:srgbClr val="333333"/>
+              </a:solidFill>
+              <a:latin typeface="Tomorrow"/>
+              <a:ea typeface="Tomorrow"/>
+            </a:endParaRPr>
+          </a:p>
+          <a:p>
+            <a:pPr marL="742950" lvl="1" indent="-285750">
+              <a:lnSpc>
+                <a:spcPct val="140000"/>
+              </a:lnSpc>
+              <a:spcBef>
+                <a:spcPct val="0"/>
+              </a:spcBef>
+              <a:spcAft>
+                <a:spcPct val="0"/>
+              </a:spcAft>
+              <a:buFont typeface="Arial" panose="020B0604020202020204" pitchFamily="34" charset="0"/>
+              <a:buChar char="•"/>
+            </a:pPr>
+            <a:r>
+              <a:rPr sz="1600">
+                <a:solidFill>
+                  <a:srgbClr val="333333"/>
+                </a:solidFill>
+                <a:latin typeface="Tomorrow"/>
+                <a:ea typeface="Tomorrow"/>
+                <a:sym typeface="+mn-ea"/>
+              </a:rPr>
+              <a:t>Assignment</a:t>
+            </a:r>
+            <a:endParaRPr lang="en-US" sz="1600">
+              <a:solidFill>
+                <a:srgbClr val="333333"/>
+              </a:solidFill>
+              <a:latin typeface="Tomorrow"/>
+              <a:ea typeface="Tomorrow"/>
+              <a:sym typeface="+mn-ea"/>
+            </a:endParaRPr>
+          </a:p>
+        </p:txBody>
+      </p:sp>
+      <p:sp>
+        <p:nvSpPr>
+          <p:cNvPr id="4" name="Text Box 3"/>
+          <p:cNvSpPr txBox="1"/>
+          <p:nvPr/>
+        </p:nvSpPr>
+        <p:spPr>
+          <a:xfrm>
+            <a:off x="6619240" y="1217295"/>
+            <a:ext cx="4900295" cy="4799965"/>
+          </a:xfrm>
+          <a:prstGeom prst="rect">
+            <a:avLst/>
+          </a:prstGeom>
+          <a:noFill/>
+        </p:spPr>
+        <p:txBody>
           <a:bodyPr wrap="square" rtlCol="0">
             <a:spAutoFit/>
           </a:bodyPr>
           <a:p>
-            <a:r>
-              <a:rPr lang="en-US" sz="2800" b="1"/>
-              <a:t>How to Train model for Computer Vision</a:t>
-            </a:r>
-            <a:endParaRPr lang="en-US" sz="2800" b="1"/>
-          </a:p>
-          <a:p>
-            <a:endParaRPr lang="en-US"/>
-          </a:p>
-          <a:p>
             <a:pPr marL="285750" indent="-285750">
               <a:buFont typeface="Arial" panose="020B0604020202020204" pitchFamily="34" charset="0"/>
               <a:buChar char="•"/>
             </a:pPr>
             <a:r>
-              <a:rPr lang="en-US"/>
-              <a:t>using  Machine Learing or Deep Learning</a:t>
-            </a:r>
-            <a:endParaRPr lang="en-US"/>
+              <a:rPr lang="en-US" altLang="en-US"/>
+              <a:t>Reading, Writing and Displaying Images</a:t>
+            </a:r>
+            <a:endParaRPr lang="en-US" altLang="en-US"/>
           </a:p>
           <a:p>
             <a:pPr marL="285750" indent="-285750">
@@ -3628,32 +4064,171 @@
               <a:buChar char="•"/>
             </a:pPr>
             <a:r>
-              <a:rPr lang="en-US"/>
-              <a:t>IN Deep Learning</a:t>
-            </a:r>
-            <a:endParaRPr lang="en-US"/>
-          </a:p>
-          <a:p>
-            <a:pPr marL="742950" lvl="1" indent="-285750">
+              <a:rPr lang="en-US" altLang="en-US"/>
+              <a:t>Changing Color Spaces</a:t>
+            </a:r>
+            <a:endParaRPr lang="en-US" altLang="en-US"/>
+          </a:p>
+          <a:p>
+            <a:pPr marL="285750" indent="-285750">
               <a:buFont typeface="Arial" panose="020B0604020202020204" pitchFamily="34" charset="0"/>
               <a:buChar char="•"/>
             </a:pPr>
             <a:r>
-              <a:rPr lang="en-US"/>
-              <a:t>using ANN</a:t>
-            </a:r>
-            <a:endParaRPr lang="en-US"/>
-          </a:p>
-          <a:p>
-            <a:pPr marL="742950" lvl="1" indent="-285750">
+              <a:rPr lang="en-US" altLang="en-US"/>
+              <a:t>Resizing Images</a:t>
+            </a:r>
+            <a:endParaRPr lang="en-US" altLang="en-US"/>
+          </a:p>
+          <a:p>
+            <a:pPr marL="285750" indent="-285750">
               <a:buFont typeface="Arial" panose="020B0604020202020204" pitchFamily="34" charset="0"/>
               <a:buChar char="•"/>
             </a:pPr>
             <a:r>
-              <a:rPr lang="en-US"/>
-              <a:t>OR use Sepcial type OF ANN --&gt;called CNN</a:t>
-            </a:r>
-            <a:endParaRPr lang="en-US"/>
+              <a:rPr lang="en-US" altLang="en-US"/>
+              <a:t>Image Rotation</a:t>
+            </a:r>
+            <a:endParaRPr lang="en-US" altLang="en-US"/>
+          </a:p>
+          <a:p>
+            <a:pPr marL="285750" indent="-285750">
+              <a:buFont typeface="Arial" panose="020B0604020202020204" pitchFamily="34" charset="0"/>
+              <a:buChar char="•"/>
+            </a:pPr>
+            <a:r>
+              <a:rPr lang="en-US" altLang="en-US"/>
+              <a:t>Image Translation</a:t>
+            </a:r>
+            <a:endParaRPr lang="en-US" altLang="en-US"/>
+          </a:p>
+          <a:p>
+            <a:pPr marL="285750" indent="-285750">
+              <a:buFont typeface="Arial" panose="020B0604020202020204" pitchFamily="34" charset="0"/>
+              <a:buChar char="•"/>
+            </a:pPr>
+            <a:r>
+              <a:rPr lang="en-US" altLang="en-US"/>
+              <a:t>Simple Image Thresholding</a:t>
+            </a:r>
+            <a:endParaRPr lang="en-US" altLang="en-US"/>
+          </a:p>
+          <a:p>
+            <a:pPr marL="285750" indent="-285750">
+              <a:buFont typeface="Arial" panose="020B0604020202020204" pitchFamily="34" charset="0"/>
+              <a:buChar char="•"/>
+            </a:pPr>
+            <a:r>
+              <a:rPr lang="en-US" altLang="en-US"/>
+              <a:t>Adaptive Thresholding</a:t>
+            </a:r>
+            <a:endParaRPr lang="en-US" altLang="en-US"/>
+          </a:p>
+          <a:p>
+            <a:pPr marL="285750" indent="-285750">
+              <a:buFont typeface="Arial" panose="020B0604020202020204" pitchFamily="34" charset="0"/>
+              <a:buChar char="•"/>
+            </a:pPr>
+            <a:r>
+              <a:rPr lang="en-US" altLang="en-US"/>
+              <a:t>Image Segmentation (Watershed Algorithm)</a:t>
+            </a:r>
+            <a:endParaRPr lang="en-US" altLang="en-US"/>
+          </a:p>
+          <a:p>
+            <a:pPr marL="285750" indent="-285750">
+              <a:buFont typeface="Arial" panose="020B0604020202020204" pitchFamily="34" charset="0"/>
+              <a:buChar char="•"/>
+            </a:pPr>
+            <a:r>
+              <a:rPr lang="en-US" altLang="en-US"/>
+              <a:t>Bitwise Operations</a:t>
+            </a:r>
+            <a:endParaRPr lang="en-US" altLang="en-US"/>
+          </a:p>
+          <a:p>
+            <a:pPr marL="285750" indent="-285750">
+              <a:buFont typeface="Arial" panose="020B0604020202020204" pitchFamily="34" charset="0"/>
+              <a:buChar char="•"/>
+            </a:pPr>
+            <a:r>
+              <a:rPr lang="en-US" altLang="en-US"/>
+              <a:t>Edge Detection</a:t>
+            </a:r>
+            <a:endParaRPr lang="en-US" altLang="en-US"/>
+          </a:p>
+          <a:p>
+            <a:pPr marL="285750" indent="-285750">
+              <a:buFont typeface="Arial" panose="020B0604020202020204" pitchFamily="34" charset="0"/>
+              <a:buChar char="•"/>
+            </a:pPr>
+            <a:r>
+              <a:rPr lang="en-US" altLang="en-US"/>
+              <a:t>Image Filtering</a:t>
+            </a:r>
+            <a:endParaRPr lang="en-US" altLang="en-US"/>
+          </a:p>
+          <a:p>
+            <a:pPr marL="285750" indent="-285750">
+              <a:buFont typeface="Arial" panose="020B0604020202020204" pitchFamily="34" charset="0"/>
+              <a:buChar char="•"/>
+            </a:pPr>
+            <a:r>
+              <a:rPr lang="en-US" altLang="en-US"/>
+              <a:t>Image Contours</a:t>
+            </a:r>
+            <a:endParaRPr lang="en-US" altLang="en-US"/>
+          </a:p>
+          <a:p>
+            <a:pPr marL="285750" indent="-285750">
+              <a:buFont typeface="Arial" panose="020B0604020202020204" pitchFamily="34" charset="0"/>
+              <a:buChar char="•"/>
+            </a:pPr>
+            <a:endParaRPr lang="en-US" altLang="en-US"/>
+          </a:p>
+          <a:p>
+            <a:pPr marL="285750" indent="-285750">
+              <a:buFont typeface="Arial" panose="020B0604020202020204" pitchFamily="34" charset="0"/>
+              <a:buChar char="•"/>
+            </a:pPr>
+            <a:r>
+              <a:rPr lang="en-US" altLang="en-US"/>
+              <a:t>Scale Invariant Feature Transform (SIFT)</a:t>
+            </a:r>
+            <a:endParaRPr lang="en-US" altLang="en-US"/>
+          </a:p>
+          <a:p>
+            <a:pPr marL="285750" indent="-285750">
+              <a:buFont typeface="Arial" panose="020B0604020202020204" pitchFamily="34" charset="0"/>
+              <a:buChar char="•"/>
+            </a:pPr>
+            <a:r>
+              <a:rPr lang="en-US" altLang="en-US"/>
+              <a:t>Speeded-Up Robust Features (SURF)</a:t>
+            </a:r>
+            <a:endParaRPr lang="en-US" altLang="en-US"/>
+          </a:p>
+          <a:p>
+            <a:pPr marL="285750" indent="-285750">
+              <a:buFont typeface="Arial" panose="020B0604020202020204" pitchFamily="34" charset="0"/>
+              <a:buChar char="•"/>
+            </a:pPr>
+            <a:r>
+              <a:rPr lang="en-US" altLang="en-US"/>
+              <a:t>Feature Matching</a:t>
+            </a:r>
+            <a:endParaRPr lang="en-US" altLang="en-US"/>
+          </a:p>
+          <a:p>
+            <a:pPr marL="285750" indent="-285750">
+              <a:buFont typeface="Arial" panose="020B0604020202020204" pitchFamily="34" charset="0"/>
+              <a:buChar char="•"/>
+            </a:pPr>
+            <a:r>
+              <a:rPr lang="en-US" altLang="en-US"/>
+              <a:t>Face Detection</a:t>
+            </a:r>
+            <a:endParaRPr lang="en-US" altLang="en-US"/>
           </a:p>
         </p:txBody>
       </p:sp>
@@ -3666,6 +4241,100 @@
 </file>
 
 <file path=ppt/slides/slide11.xml><?xml version="1.0" encoding="utf-8"?>
+<p:sld xmlns:a="http://schemas.openxmlformats.org/drawingml/2006/main" xmlns:r="http://schemas.openxmlformats.org/officeDocument/2006/relationships" xmlns:p="http://schemas.openxmlformats.org/presentationml/2006/main">
+  <p:cSld>
+    <p:spTree>
+      <p:nvGrpSpPr>
+        <p:cNvPr id="1" name=""/>
+        <p:cNvGrpSpPr/>
+        <p:nvPr/>
+      </p:nvGrpSpPr>
+      <p:grpSpPr/>
+      <p:sp>
+        <p:nvSpPr>
+          <p:cNvPr id="2" name="Text Box 1"/>
+          <p:cNvSpPr txBox="1"/>
+          <p:nvPr/>
+        </p:nvSpPr>
+        <p:spPr>
+          <a:xfrm>
+            <a:off x="2138045" y="1518285"/>
+            <a:ext cx="7753985" cy="1906905"/>
+          </a:xfrm>
+          <a:prstGeom prst="rect">
+            <a:avLst/>
+          </a:prstGeom>
+          <a:noFill/>
+        </p:spPr>
+        <p:txBody>
+          <a:bodyPr wrap="square" rtlCol="0">
+            <a:spAutoFit/>
+          </a:bodyPr>
+          <a:p>
+            <a:r>
+              <a:rPr lang="en-US" sz="2800" b="1"/>
+              <a:t>How to Train model for Computer Vision</a:t>
+            </a:r>
+            <a:endParaRPr lang="en-US" sz="2800" b="1"/>
+          </a:p>
+          <a:p>
+            <a:endParaRPr lang="en-US"/>
+          </a:p>
+          <a:p>
+            <a:pPr marL="285750" indent="-285750">
+              <a:buFont typeface="Arial" panose="020B0604020202020204" pitchFamily="34" charset="0"/>
+              <a:buChar char="•"/>
+            </a:pPr>
+            <a:r>
+              <a:rPr lang="en-US"/>
+              <a:t>using  Machine Learing or Deep Learning</a:t>
+            </a:r>
+            <a:endParaRPr lang="en-US"/>
+          </a:p>
+          <a:p>
+            <a:pPr marL="285750" indent="-285750">
+              <a:buFont typeface="Arial" panose="020B0604020202020204" pitchFamily="34" charset="0"/>
+              <a:buChar char="•"/>
+            </a:pPr>
+            <a:r>
+              <a:rPr lang="en-US"/>
+              <a:t>IN Deep Learning</a:t>
+            </a:r>
+            <a:endParaRPr lang="en-US"/>
+          </a:p>
+          <a:p>
+            <a:pPr marL="742950" lvl="1" indent="-285750">
+              <a:buFont typeface="Arial" panose="020B0604020202020204" pitchFamily="34" charset="0"/>
+              <a:buChar char="•"/>
+            </a:pPr>
+            <a:r>
+              <a:rPr lang="en-US"/>
+              <a:t>using ANN</a:t>
+            </a:r>
+            <a:endParaRPr lang="en-US"/>
+          </a:p>
+          <a:p>
+            <a:pPr marL="742950" lvl="1" indent="-285750">
+              <a:buFont typeface="Arial" panose="020B0604020202020204" pitchFamily="34" charset="0"/>
+              <a:buChar char="•"/>
+            </a:pPr>
+            <a:r>
+              <a:rPr lang="en-US"/>
+              <a:t>OR use Sepcial type OF ANN --&gt;called CNN</a:t>
+            </a:r>
+            <a:endParaRPr lang="en-US"/>
+          </a:p>
+        </p:txBody>
+      </p:sp>
+    </p:spTree>
+  </p:cSld>
+  <p:clrMapOvr>
+    <a:masterClrMapping/>
+  </p:clrMapOvr>
+</p:sld>
+</file>
+
+<file path=ppt/slides/slide12.xml><?xml version="1.0" encoding="utf-8"?>
 <p:sld xmlns:a="http://schemas.openxmlformats.org/drawingml/2006/main" xmlns:r="http://schemas.openxmlformats.org/officeDocument/2006/relationships" xmlns:p="http://schemas.openxmlformats.org/presentationml/2006/main">
   <p:cSld>
     <p:spTree>
@@ -4061,6 +4730,97 @@
 </file>
 
 <file path=ppt/slides/slide2.xml><?xml version="1.0" encoding="utf-8"?>
+<p:sld xmlns:a="http://schemas.openxmlformats.org/drawingml/2006/main" xmlns:r="http://schemas.openxmlformats.org/officeDocument/2006/relationships" xmlns:p="http://schemas.openxmlformats.org/presentationml/2006/main">
+  <p:cSld>
+    <p:spTree>
+      <p:nvGrpSpPr>
+        <p:cNvPr id="1" name=""/>
+        <p:cNvGrpSpPr/>
+        <p:nvPr/>
+      </p:nvGrpSpPr>
+      <p:grpSpPr/>
+      <p:pic>
+        <p:nvPicPr>
+          <p:cNvPr id="4" name="Picture 3"/>
+          <p:cNvPicPr/>
+          <p:nvPr/>
+        </p:nvPicPr>
+        <p:blipFill>
+          <a:blip r:embed="rId1"/>
+          <a:stretch>
+            <a:fillRect/>
+          </a:stretch>
+        </p:blipFill>
+        <p:spPr>
+          <a:xfrm>
+            <a:off x="238760" y="0"/>
+            <a:ext cx="5855970" cy="4417060"/>
+          </a:xfrm>
+          <a:prstGeom prst="rect">
+            <a:avLst/>
+          </a:prstGeom>
+        </p:spPr>
+      </p:pic>
+      <p:sp>
+        <p:nvSpPr>
+          <p:cNvPr id="5" name="Text Box 4"/>
+          <p:cNvSpPr txBox="1"/>
+          <p:nvPr/>
+        </p:nvSpPr>
+        <p:spPr>
+          <a:xfrm>
+            <a:off x="238760" y="6318250"/>
+            <a:ext cx="6096000" cy="368300"/>
+          </a:xfrm>
+          <a:prstGeom prst="rect">
+            <a:avLst/>
+          </a:prstGeom>
+          <a:noFill/>
+        </p:spPr>
+        <p:txBody>
+          <a:bodyPr wrap="square" rtlCol="0" anchor="t">
+            <a:spAutoFit/>
+          </a:bodyPr>
+          <a:p>
+            <a:r>
+              <a:rPr lang="en-US" altLang="en-US"/>
+              <a:t>https://ellow.io/components-of-ai/</a:t>
+            </a:r>
+            <a:endParaRPr lang="en-US"/>
+          </a:p>
+        </p:txBody>
+      </p:sp>
+      <p:pic>
+        <p:nvPicPr>
+          <p:cNvPr id="6" name="Picture 5"/>
+          <p:cNvPicPr/>
+          <p:nvPr/>
+        </p:nvPicPr>
+        <p:blipFill>
+          <a:blip r:embed="rId2"/>
+          <a:stretch>
+            <a:fillRect/>
+          </a:stretch>
+        </p:blipFill>
+        <p:spPr>
+          <a:xfrm>
+            <a:off x="6477000" y="2571750"/>
+            <a:ext cx="5715000" cy="4286250"/>
+          </a:xfrm>
+          <a:prstGeom prst="rect">
+            <a:avLst/>
+          </a:prstGeom>
+        </p:spPr>
+      </p:pic>
+    </p:spTree>
+  </p:cSld>
+  <p:clrMapOvr>
+    <a:masterClrMapping/>
+  </p:clrMapOvr>
+</p:sld>
+</file>
+
+<file path=ppt/slides/slide3.xml><?xml version="1.0" encoding="utf-8"?>
 <p:sld xmlns:a="http://schemas.openxmlformats.org/drawingml/2006/main" xmlns:r="http://schemas.openxmlformats.org/officeDocument/2006/relationships" xmlns:p="http://schemas.openxmlformats.org/presentationml/2006/main">
   <p:cSld>
     <p:spTree>
@@ -4174,7 +4934,7 @@
 </p:sld>
 </file>
 
-<file path=ppt/slides/slide3.xml><?xml version="1.0" encoding="utf-8"?>
+<file path=ppt/slides/slide4.xml><?xml version="1.0" encoding="utf-8"?>
 <p:sld xmlns:a="http://schemas.openxmlformats.org/drawingml/2006/main" xmlns:r="http://schemas.openxmlformats.org/officeDocument/2006/relationships" xmlns:p="http://schemas.openxmlformats.org/presentationml/2006/main">
   <p:cSld>
     <p:spTree>
@@ -4705,7 +5465,7 @@
 </p:sld>
 </file>
 
-<file path=ppt/slides/slide4.xml><?xml version="1.0" encoding="utf-8"?>
+<file path=ppt/slides/slide5.xml><?xml version="1.0" encoding="utf-8"?>
 <p:sld xmlns:a="http://schemas.openxmlformats.org/drawingml/2006/main" xmlns:r="http://schemas.openxmlformats.org/officeDocument/2006/relationships" xmlns:p="http://schemas.openxmlformats.org/presentationml/2006/main">
   <p:cSld>
     <p:spTree>
@@ -4745,7 +5505,7 @@
 </p:sld>
 </file>
 
-<file path=ppt/slides/slide5.xml><?xml version="1.0" encoding="utf-8"?>
+<file path=ppt/slides/slide6.xml><?xml version="1.0" encoding="utf-8"?>
 <p:sld xmlns:a="http://schemas.openxmlformats.org/drawingml/2006/main" xmlns:r="http://schemas.openxmlformats.org/officeDocument/2006/relationships" xmlns:p="http://schemas.openxmlformats.org/presentationml/2006/main">
   <p:cSld>
     <p:spTree>
@@ -5982,7 +6742,7 @@
 </p:sld>
 </file>
 
-<file path=ppt/slides/slide6.xml><?xml version="1.0" encoding="utf-8"?>
+<file path=ppt/slides/slide7.xml><?xml version="1.0" encoding="utf-8"?>
 <p:sld xmlns:a="http://schemas.openxmlformats.org/drawingml/2006/main" xmlns:r="http://schemas.openxmlformats.org/officeDocument/2006/relationships" xmlns:p="http://schemas.openxmlformats.org/presentationml/2006/main">
   <p:cSld>
     <p:spTree>
@@ -6542,7 +7302,7 @@
 </p:sld>
 </file>
 
-<file path=ppt/slides/slide7.xml><?xml version="1.0" encoding="utf-8"?>
+<file path=ppt/slides/slide8.xml><?xml version="1.0" encoding="utf-8"?>
 <p:sld xmlns:a="http://schemas.openxmlformats.org/drawingml/2006/main" xmlns:r="http://schemas.openxmlformats.org/officeDocument/2006/relationships" xmlns:p="http://schemas.openxmlformats.org/presentationml/2006/main">
   <p:cSld>
     <p:spTree>
@@ -6953,7 +7713,7 @@
 </p:sld>
 </file>
 
-<file path=ppt/slides/slide8.xml><?xml version="1.0" encoding="utf-8"?>
+<file path=ppt/slides/slide9.xml><?xml version="1.0" encoding="utf-8"?>
 <p:sld xmlns:a="http://schemas.openxmlformats.org/drawingml/2006/main" xmlns:r="http://schemas.openxmlformats.org/officeDocument/2006/relationships" xmlns:p="http://schemas.openxmlformats.org/presentationml/2006/main">
   <p:cSld>
     <p:spTree>
@@ -7163,671 +7923,6 @@
               <a:t>Use cv2 library for image and video Manupulations</a:t>
             </a:r>
             <a:endParaRPr lang="en-US" b="1"/>
-          </a:p>
-        </p:txBody>
-      </p:sp>
-    </p:spTree>
-  </p:cSld>
-  <p:clrMapOvr>
-    <a:masterClrMapping/>
-  </p:clrMapOvr>
-</p:sld>
-</file>
-
-<file path=ppt/slides/slide9.xml><?xml version="1.0" encoding="utf-8"?>
-<p:sld xmlns:a="http://schemas.openxmlformats.org/drawingml/2006/main" xmlns:r="http://schemas.openxmlformats.org/officeDocument/2006/relationships" xmlns:p="http://schemas.openxmlformats.org/presentationml/2006/main">
-  <p:cSld>
-    <p:spTree>
-      <p:nvGrpSpPr>
-        <p:cNvPr id="1" name=""/>
-        <p:cNvGrpSpPr/>
-        <p:nvPr/>
-      </p:nvGrpSpPr>
-      <p:grpSpPr/>
-      <p:sp>
-        <p:nvSpPr>
-          <p:cNvPr id="2" name="Text Box 1"/>
-          <p:cNvSpPr txBox="1"/>
-          <p:nvPr/>
-        </p:nvSpPr>
-        <p:spPr>
-          <a:xfrm>
-            <a:off x="215265" y="0"/>
-            <a:ext cx="6096000" cy="4327525"/>
-          </a:xfrm>
-          <a:prstGeom prst="rect">
-            <a:avLst/>
-          </a:prstGeom>
-          <a:noFill/>
-        </p:spPr>
-        <p:txBody>
-          <a:bodyPr wrap="square" rtlCol="0" anchor="t">
-            <a:spAutoFit/>
-          </a:bodyPr>
-          <a:p>
-            <a:pPr marL="0" indent="0">
-              <a:spcBef>
-                <a:spcPts val="1000"/>
-              </a:spcBef>
-              <a:spcAft>
-                <a:spcPts val="500"/>
-              </a:spcAft>
-            </a:pPr>
-            <a:r>
-              <a:rPr sz="2500">
-                <a:solidFill>
-                  <a:srgbClr val="333333"/>
-                </a:solidFill>
-                <a:latin typeface="Tomorrow"/>
-                <a:ea typeface="Tomorrow"/>
-                <a:sym typeface="+mn-ea"/>
-              </a:rPr>
-              <a:t>Computer Vision &amp; OpenCV  </a:t>
-            </a:r>
-            <a:endParaRPr sz="2500" b="0" i="0">
-              <a:solidFill>
-                <a:srgbClr val="333333"/>
-              </a:solidFill>
-              <a:latin typeface="Tomorrow"/>
-              <a:ea typeface="Tomorrow"/>
-            </a:endParaRPr>
-          </a:p>
-          <a:p>
-            <a:pPr marL="742950" lvl="1" indent="-285750">
-              <a:lnSpc>
-                <a:spcPct val="140000"/>
-              </a:lnSpc>
-              <a:spcBef>
-                <a:spcPct val="0"/>
-              </a:spcBef>
-              <a:spcAft>
-                <a:spcPct val="0"/>
-              </a:spcAft>
-              <a:buFont typeface="Arial" panose="020B0604020202020204" pitchFamily="34" charset="0"/>
-              <a:buChar char="•"/>
-            </a:pPr>
-            <a:r>
-              <a:rPr sz="1600">
-                <a:solidFill>
-                  <a:srgbClr val="333333"/>
-                </a:solidFill>
-                <a:latin typeface="Tomorrow"/>
-                <a:ea typeface="Tomorrow"/>
-                <a:sym typeface="+mn-ea"/>
-              </a:rPr>
-              <a:t>What is Computer Vision</a:t>
-            </a:r>
-            <a:endParaRPr sz="1600" b="0" i="0">
-              <a:solidFill>
-                <a:srgbClr val="333333"/>
-              </a:solidFill>
-              <a:latin typeface="Tomorrow"/>
-              <a:ea typeface="Tomorrow"/>
-            </a:endParaRPr>
-          </a:p>
-          <a:p>
-            <a:pPr marL="742950" lvl="1" indent="-285750">
-              <a:lnSpc>
-                <a:spcPct val="140000"/>
-              </a:lnSpc>
-              <a:spcBef>
-                <a:spcPct val="0"/>
-              </a:spcBef>
-              <a:spcAft>
-                <a:spcPct val="0"/>
-              </a:spcAft>
-              <a:buFont typeface="Arial" panose="020B0604020202020204" pitchFamily="34" charset="0"/>
-              <a:buChar char="•"/>
-            </a:pPr>
-            <a:r>
-              <a:rPr sz="1600">
-                <a:solidFill>
-                  <a:srgbClr val="333333"/>
-                </a:solidFill>
-                <a:latin typeface="Tomorrow"/>
-                <a:ea typeface="Tomorrow"/>
-                <a:sym typeface="+mn-ea"/>
-              </a:rPr>
-              <a:t>History of Computer Vision</a:t>
-            </a:r>
-            <a:endParaRPr sz="1600" b="0" i="0">
-              <a:solidFill>
-                <a:srgbClr val="333333"/>
-              </a:solidFill>
-              <a:latin typeface="Tomorrow"/>
-              <a:ea typeface="Tomorrow"/>
-            </a:endParaRPr>
-          </a:p>
-          <a:p>
-            <a:pPr marL="742950" lvl="1" indent="-285750">
-              <a:lnSpc>
-                <a:spcPct val="140000"/>
-              </a:lnSpc>
-              <a:spcBef>
-                <a:spcPct val="0"/>
-              </a:spcBef>
-              <a:spcAft>
-                <a:spcPct val="0"/>
-              </a:spcAft>
-              <a:buFont typeface="Arial" panose="020B0604020202020204" pitchFamily="34" charset="0"/>
-              <a:buChar char="•"/>
-            </a:pPr>
-            <a:r>
-              <a:rPr sz="1600">
-                <a:solidFill>
-                  <a:srgbClr val="333333"/>
-                </a:solidFill>
-                <a:latin typeface="Tomorrow"/>
-                <a:ea typeface="Tomorrow"/>
-                <a:sym typeface="+mn-ea"/>
-              </a:rPr>
-              <a:t>Tools &amp; Technology used in Computer Vision</a:t>
-            </a:r>
-            <a:endParaRPr sz="1600" b="0" i="0">
-              <a:solidFill>
-                <a:srgbClr val="333333"/>
-              </a:solidFill>
-              <a:latin typeface="Tomorrow"/>
-              <a:ea typeface="Tomorrow"/>
-            </a:endParaRPr>
-          </a:p>
-          <a:p>
-            <a:pPr marL="742950" lvl="1" indent="-285750">
-              <a:lnSpc>
-                <a:spcPct val="140000"/>
-              </a:lnSpc>
-              <a:spcBef>
-                <a:spcPct val="0"/>
-              </a:spcBef>
-              <a:spcAft>
-                <a:spcPct val="0"/>
-              </a:spcAft>
-              <a:buFont typeface="Arial" panose="020B0604020202020204" pitchFamily="34" charset="0"/>
-              <a:buChar char="•"/>
-            </a:pPr>
-            <a:r>
-              <a:rPr sz="1600">
-                <a:solidFill>
-                  <a:srgbClr val="333333"/>
-                </a:solidFill>
-                <a:latin typeface="Tomorrow"/>
-                <a:ea typeface="Tomorrow"/>
-                <a:sym typeface="+mn-ea"/>
-              </a:rPr>
-              <a:t>Application of Computer Vision</a:t>
-            </a:r>
-            <a:endParaRPr sz="1600" b="0" i="0">
-              <a:solidFill>
-                <a:srgbClr val="333333"/>
-              </a:solidFill>
-              <a:latin typeface="Tomorrow"/>
-              <a:ea typeface="Tomorrow"/>
-            </a:endParaRPr>
-          </a:p>
-          <a:p>
-            <a:pPr marL="742950" lvl="1" indent="-285750">
-              <a:lnSpc>
-                <a:spcPct val="140000"/>
-              </a:lnSpc>
-              <a:spcBef>
-                <a:spcPct val="0"/>
-              </a:spcBef>
-              <a:spcAft>
-                <a:spcPct val="0"/>
-              </a:spcAft>
-              <a:buFont typeface="Arial" panose="020B0604020202020204" pitchFamily="34" charset="0"/>
-              <a:buChar char="•"/>
-            </a:pPr>
-            <a:r>
-              <a:rPr sz="1600">
-                <a:solidFill>
-                  <a:srgbClr val="333333"/>
-                </a:solidFill>
-                <a:latin typeface="Tomorrow"/>
-                <a:ea typeface="Tomorrow"/>
-                <a:sym typeface="+mn-ea"/>
-              </a:rPr>
-              <a:t>What is OpenCV</a:t>
-            </a:r>
-            <a:endParaRPr sz="1600" b="0" i="0">
-              <a:solidFill>
-                <a:srgbClr val="333333"/>
-              </a:solidFill>
-              <a:latin typeface="Tomorrow"/>
-              <a:ea typeface="Tomorrow"/>
-            </a:endParaRPr>
-          </a:p>
-          <a:p>
-            <a:pPr marL="742950" lvl="1" indent="-285750">
-              <a:lnSpc>
-                <a:spcPct val="140000"/>
-              </a:lnSpc>
-              <a:spcBef>
-                <a:spcPct val="0"/>
-              </a:spcBef>
-              <a:spcAft>
-                <a:spcPct val="0"/>
-              </a:spcAft>
-              <a:buFont typeface="Arial" panose="020B0604020202020204" pitchFamily="34" charset="0"/>
-              <a:buChar char="•"/>
-            </a:pPr>
-            <a:r>
-              <a:rPr sz="1600">
-                <a:solidFill>
-                  <a:srgbClr val="333333"/>
-                </a:solidFill>
-                <a:latin typeface="Tomorrow"/>
-                <a:ea typeface="Tomorrow"/>
-                <a:sym typeface="+mn-ea"/>
-              </a:rPr>
-              <a:t>Installation of OpenCV</a:t>
-            </a:r>
-            <a:endParaRPr sz="1600" b="0" i="0">
-              <a:solidFill>
-                <a:srgbClr val="333333"/>
-              </a:solidFill>
-              <a:latin typeface="Tomorrow"/>
-              <a:ea typeface="Tomorrow"/>
-            </a:endParaRPr>
-          </a:p>
-          <a:p>
-            <a:pPr marL="742950" lvl="1" indent="-285750">
-              <a:lnSpc>
-                <a:spcPct val="140000"/>
-              </a:lnSpc>
-              <a:spcBef>
-                <a:spcPct val="0"/>
-              </a:spcBef>
-              <a:spcAft>
-                <a:spcPct val="0"/>
-              </a:spcAft>
-              <a:buFont typeface="Arial" panose="020B0604020202020204" pitchFamily="34" charset="0"/>
-              <a:buChar char="•"/>
-            </a:pPr>
-            <a:r>
-              <a:rPr sz="1600">
-                <a:solidFill>
-                  <a:srgbClr val="333333"/>
-                </a:solidFill>
-                <a:latin typeface="Tomorrow"/>
-                <a:ea typeface="Tomorrow"/>
-                <a:sym typeface="+mn-ea"/>
-              </a:rPr>
-              <a:t>First program with OpenCV</a:t>
-            </a:r>
-            <a:endParaRPr sz="1600" b="0" i="0">
-              <a:solidFill>
-                <a:srgbClr val="333333"/>
-              </a:solidFill>
-              <a:latin typeface="Tomorrow"/>
-              <a:ea typeface="Tomorrow"/>
-            </a:endParaRPr>
-          </a:p>
-          <a:p>
-            <a:pPr marL="742950" lvl="1" indent="-285750">
-              <a:lnSpc>
-                <a:spcPct val="140000"/>
-              </a:lnSpc>
-              <a:spcBef>
-                <a:spcPct val="0"/>
-              </a:spcBef>
-              <a:spcAft>
-                <a:spcPct val="0"/>
-              </a:spcAft>
-              <a:buFont typeface="Arial" panose="020B0604020202020204" pitchFamily="34" charset="0"/>
-              <a:buChar char="•"/>
-            </a:pPr>
-            <a:r>
-              <a:rPr sz="1600" b="1">
-                <a:solidFill>
-                  <a:srgbClr val="333333"/>
-                </a:solidFill>
-                <a:effectLst>
-                  <a:outerShdw blurRad="38100" dist="38100" dir="2700000" algn="tl">
-                    <a:srgbClr val="000000">
-                      <a:alpha val="43137"/>
-                    </a:srgbClr>
-                  </a:outerShdw>
-                </a:effectLst>
-                <a:latin typeface="Tomorrow"/>
-                <a:ea typeface="Tomorrow"/>
-                <a:sym typeface="+mn-ea"/>
-              </a:rPr>
-              <a:t>Reading &amp; Writing Images</a:t>
-            </a:r>
-            <a:endParaRPr sz="1600" b="1" i="0">
-              <a:solidFill>
-                <a:srgbClr val="333333"/>
-              </a:solidFill>
-              <a:effectLst>
-                <a:outerShdw blurRad="38100" dist="38100" dir="2700000" algn="tl">
-                  <a:srgbClr val="000000">
-                    <a:alpha val="43137"/>
-                  </a:srgbClr>
-                </a:outerShdw>
-              </a:effectLst>
-              <a:latin typeface="Tomorrow"/>
-              <a:ea typeface="Tomorrow"/>
-            </a:endParaRPr>
-          </a:p>
-          <a:p>
-            <a:pPr marL="742950" lvl="1" indent="-285750">
-              <a:lnSpc>
-                <a:spcPct val="140000"/>
-              </a:lnSpc>
-              <a:spcBef>
-                <a:spcPct val="0"/>
-              </a:spcBef>
-              <a:spcAft>
-                <a:spcPct val="0"/>
-              </a:spcAft>
-              <a:buFont typeface="Arial" panose="020B0604020202020204" pitchFamily="34" charset="0"/>
-              <a:buChar char="•"/>
-            </a:pPr>
-            <a:r>
-              <a:rPr sz="1600" b="1">
-                <a:solidFill>
-                  <a:srgbClr val="333333"/>
-                </a:solidFill>
-                <a:effectLst>
-                  <a:outerShdw blurRad="38100" dist="38100" dir="2700000" algn="tl">
-                    <a:srgbClr val="000000">
-                      <a:alpha val="43137"/>
-                    </a:srgbClr>
-                  </a:outerShdw>
-                </a:effectLst>
-                <a:latin typeface="Tomorrow"/>
-                <a:ea typeface="Tomorrow"/>
-                <a:sym typeface="+mn-ea"/>
-              </a:rPr>
-              <a:t>Capture Videos from Camera</a:t>
-            </a:r>
-            <a:endParaRPr sz="1600" b="1" i="0">
-              <a:solidFill>
-                <a:srgbClr val="333333"/>
-              </a:solidFill>
-              <a:effectLst>
-                <a:outerShdw blurRad="38100" dist="38100" dir="2700000" algn="tl">
-                  <a:srgbClr val="000000">
-                    <a:alpha val="43137"/>
-                  </a:srgbClr>
-                </a:outerShdw>
-              </a:effectLst>
-              <a:latin typeface="Tomorrow"/>
-              <a:ea typeface="Tomorrow"/>
-            </a:endParaRPr>
-          </a:p>
-          <a:p>
-            <a:pPr marL="742950" lvl="1" indent="-285750">
-              <a:lnSpc>
-                <a:spcPct val="140000"/>
-              </a:lnSpc>
-              <a:spcBef>
-                <a:spcPct val="0"/>
-              </a:spcBef>
-              <a:spcAft>
-                <a:spcPct val="0"/>
-              </a:spcAft>
-              <a:buFont typeface="Arial" panose="020B0604020202020204" pitchFamily="34" charset="0"/>
-              <a:buChar char="•"/>
-            </a:pPr>
-            <a:r>
-              <a:rPr sz="1600">
-                <a:solidFill>
-                  <a:srgbClr val="333333"/>
-                </a:solidFill>
-                <a:latin typeface="Tomorrow"/>
-                <a:ea typeface="Tomorrow"/>
-                <a:sym typeface="+mn-ea"/>
-              </a:rPr>
-              <a:t>Reading &amp; Saving Videos</a:t>
-            </a:r>
-            <a:endParaRPr sz="1600" b="0" i="0">
-              <a:solidFill>
-                <a:srgbClr val="333333"/>
-              </a:solidFill>
-              <a:latin typeface="Tomorrow"/>
-              <a:ea typeface="Tomorrow"/>
-            </a:endParaRPr>
-          </a:p>
-          <a:p>
-            <a:pPr marL="742950" lvl="1" indent="-285750">
-              <a:lnSpc>
-                <a:spcPct val="140000"/>
-              </a:lnSpc>
-              <a:spcBef>
-                <a:spcPct val="0"/>
-              </a:spcBef>
-              <a:spcAft>
-                <a:spcPct val="0"/>
-              </a:spcAft>
-              <a:buFont typeface="Arial" panose="020B0604020202020204" pitchFamily="34" charset="0"/>
-              <a:buChar char="•"/>
-            </a:pPr>
-            <a:r>
-              <a:rPr sz="1600">
-                <a:solidFill>
-                  <a:srgbClr val="333333"/>
-                </a:solidFill>
-                <a:latin typeface="Tomorrow"/>
-                <a:ea typeface="Tomorrow"/>
-                <a:sym typeface="+mn-ea"/>
-              </a:rPr>
-              <a:t>Assignment</a:t>
-            </a:r>
-            <a:endParaRPr lang="en-US" sz="1600">
-              <a:solidFill>
-                <a:srgbClr val="333333"/>
-              </a:solidFill>
-              <a:latin typeface="Tomorrow"/>
-              <a:ea typeface="Tomorrow"/>
-              <a:sym typeface="+mn-ea"/>
-            </a:endParaRPr>
-          </a:p>
-        </p:txBody>
-      </p:sp>
-      <p:sp>
-        <p:nvSpPr>
-          <p:cNvPr id="4" name="Text Box 3"/>
-          <p:cNvSpPr txBox="1"/>
-          <p:nvPr/>
-        </p:nvSpPr>
-        <p:spPr>
-          <a:xfrm>
-            <a:off x="6619240" y="1217295"/>
-            <a:ext cx="4900295" cy="4799965"/>
-          </a:xfrm>
-          <a:prstGeom prst="rect">
-            <a:avLst/>
-          </a:prstGeom>
-          <a:noFill/>
-        </p:spPr>
-        <p:txBody>
-          <a:bodyPr wrap="square" rtlCol="0">
-            <a:spAutoFit/>
-          </a:bodyPr>
-          <a:p>
-            <a:pPr marL="285750" indent="-285750">
-              <a:buFont typeface="Arial" panose="020B0604020202020204" pitchFamily="34" charset="0"/>
-              <a:buChar char="•"/>
-            </a:pPr>
-            <a:r>
-              <a:rPr lang="en-US" altLang="en-US"/>
-              <a:t>Reading, Writing and Displaying Images</a:t>
-            </a:r>
-            <a:endParaRPr lang="en-US" altLang="en-US"/>
-          </a:p>
-          <a:p>
-            <a:pPr marL="285750" indent="-285750">
-              <a:buFont typeface="Arial" panose="020B0604020202020204" pitchFamily="34" charset="0"/>
-              <a:buChar char="•"/>
-            </a:pPr>
-            <a:r>
-              <a:rPr lang="en-US" altLang="en-US"/>
-              <a:t>Changing Color Spaces</a:t>
-            </a:r>
-            <a:endParaRPr lang="en-US" altLang="en-US"/>
-          </a:p>
-          <a:p>
-            <a:pPr marL="285750" indent="-285750">
-              <a:buFont typeface="Arial" panose="020B0604020202020204" pitchFamily="34" charset="0"/>
-              <a:buChar char="•"/>
-            </a:pPr>
-            <a:r>
-              <a:rPr lang="en-US" altLang="en-US"/>
-              <a:t>Resizing Images</a:t>
-            </a:r>
-            <a:endParaRPr lang="en-US" altLang="en-US"/>
-          </a:p>
-          <a:p>
-            <a:pPr marL="285750" indent="-285750">
-              <a:buFont typeface="Arial" panose="020B0604020202020204" pitchFamily="34" charset="0"/>
-              <a:buChar char="•"/>
-            </a:pPr>
-            <a:r>
-              <a:rPr lang="en-US" altLang="en-US"/>
-              <a:t>Image Rotation</a:t>
-            </a:r>
-            <a:endParaRPr lang="en-US" altLang="en-US"/>
-          </a:p>
-          <a:p>
-            <a:pPr marL="285750" indent="-285750">
-              <a:buFont typeface="Arial" panose="020B0604020202020204" pitchFamily="34" charset="0"/>
-              <a:buChar char="•"/>
-            </a:pPr>
-            <a:r>
-              <a:rPr lang="en-US" altLang="en-US"/>
-              <a:t>Image Translation</a:t>
-            </a:r>
-            <a:endParaRPr lang="en-US" altLang="en-US"/>
-          </a:p>
-          <a:p>
-            <a:pPr marL="285750" indent="-285750">
-              <a:buFont typeface="Arial" panose="020B0604020202020204" pitchFamily="34" charset="0"/>
-              <a:buChar char="•"/>
-            </a:pPr>
-            <a:r>
-              <a:rPr lang="en-US" altLang="en-US"/>
-              <a:t>Simple Image Thresholding</a:t>
-            </a:r>
-            <a:endParaRPr lang="en-US" altLang="en-US"/>
-          </a:p>
-          <a:p>
-            <a:pPr marL="285750" indent="-285750">
-              <a:buFont typeface="Arial" panose="020B0604020202020204" pitchFamily="34" charset="0"/>
-              <a:buChar char="•"/>
-            </a:pPr>
-            <a:r>
-              <a:rPr lang="en-US" altLang="en-US"/>
-              <a:t>Adaptive Thresholding</a:t>
-            </a:r>
-            <a:endParaRPr lang="en-US" altLang="en-US"/>
-          </a:p>
-          <a:p>
-            <a:pPr marL="285750" indent="-285750">
-              <a:buFont typeface="Arial" panose="020B0604020202020204" pitchFamily="34" charset="0"/>
-              <a:buChar char="•"/>
-            </a:pPr>
-            <a:r>
-              <a:rPr lang="en-US" altLang="en-US"/>
-              <a:t>Image Segmentation (Watershed Algorithm)</a:t>
-            </a:r>
-            <a:endParaRPr lang="en-US" altLang="en-US"/>
-          </a:p>
-          <a:p>
-            <a:pPr marL="285750" indent="-285750">
-              <a:buFont typeface="Arial" panose="020B0604020202020204" pitchFamily="34" charset="0"/>
-              <a:buChar char="•"/>
-            </a:pPr>
-            <a:r>
-              <a:rPr lang="en-US" altLang="en-US"/>
-              <a:t>Bitwise Operations</a:t>
-            </a:r>
-            <a:endParaRPr lang="en-US" altLang="en-US"/>
-          </a:p>
-          <a:p>
-            <a:pPr marL="285750" indent="-285750">
-              <a:buFont typeface="Arial" panose="020B0604020202020204" pitchFamily="34" charset="0"/>
-              <a:buChar char="•"/>
-            </a:pPr>
-            <a:r>
-              <a:rPr lang="en-US" altLang="en-US"/>
-              <a:t>Edge Detection</a:t>
-            </a:r>
-            <a:endParaRPr lang="en-US" altLang="en-US"/>
-          </a:p>
-          <a:p>
-            <a:pPr marL="285750" indent="-285750">
-              <a:buFont typeface="Arial" panose="020B0604020202020204" pitchFamily="34" charset="0"/>
-              <a:buChar char="•"/>
-            </a:pPr>
-            <a:r>
-              <a:rPr lang="en-US" altLang="en-US"/>
-              <a:t>Image Filtering</a:t>
-            </a:r>
-            <a:endParaRPr lang="en-US" altLang="en-US"/>
-          </a:p>
-          <a:p>
-            <a:pPr marL="285750" indent="-285750">
-              <a:buFont typeface="Arial" panose="020B0604020202020204" pitchFamily="34" charset="0"/>
-              <a:buChar char="•"/>
-            </a:pPr>
-            <a:r>
-              <a:rPr lang="en-US" altLang="en-US"/>
-              <a:t>Image Contours</a:t>
-            </a:r>
-            <a:endParaRPr lang="en-US" altLang="en-US"/>
-          </a:p>
-          <a:p>
-            <a:pPr marL="285750" indent="-285750">
-              <a:buFont typeface="Arial" panose="020B0604020202020204" pitchFamily="34" charset="0"/>
-              <a:buChar char="•"/>
-            </a:pPr>
-            <a:endParaRPr lang="en-US" altLang="en-US"/>
-          </a:p>
-          <a:p>
-            <a:pPr marL="285750" indent="-285750">
-              <a:buFont typeface="Arial" panose="020B0604020202020204" pitchFamily="34" charset="0"/>
-              <a:buChar char="•"/>
-            </a:pPr>
-            <a:r>
-              <a:rPr lang="en-US" altLang="en-US"/>
-              <a:t>Scale Invariant Feature Transform (SIFT)</a:t>
-            </a:r>
-            <a:endParaRPr lang="en-US" altLang="en-US"/>
-          </a:p>
-          <a:p>
-            <a:pPr marL="285750" indent="-285750">
-              <a:buFont typeface="Arial" panose="020B0604020202020204" pitchFamily="34" charset="0"/>
-              <a:buChar char="•"/>
-            </a:pPr>
-            <a:r>
-              <a:rPr lang="en-US" altLang="en-US"/>
-              <a:t>Speeded-Up Robust Features (SURF)</a:t>
-            </a:r>
-            <a:endParaRPr lang="en-US" altLang="en-US"/>
-          </a:p>
-          <a:p>
-            <a:pPr marL="285750" indent="-285750">
-              <a:buFont typeface="Arial" panose="020B0604020202020204" pitchFamily="34" charset="0"/>
-              <a:buChar char="•"/>
-            </a:pPr>
-            <a:r>
-              <a:rPr lang="en-US" altLang="en-US"/>
-              <a:t>Feature Matching</a:t>
-            </a:r>
-            <a:endParaRPr lang="en-US" altLang="en-US"/>
-          </a:p>
-          <a:p>
-            <a:pPr marL="285750" indent="-285750">
-              <a:buFont typeface="Arial" panose="020B0604020202020204" pitchFamily="34" charset="0"/>
-              <a:buChar char="•"/>
-            </a:pPr>
-            <a:r>
-              <a:rPr lang="en-US" altLang="en-US"/>
-              <a:t>Face Detection</a:t>
-            </a:r>
-            <a:endParaRPr lang="en-US" altLang="en-US"/>
           </a:p>
         </p:txBody>
       </p:sp>

--- a/9.Deep_learning/class_7_computer_vision.pptx
+++ b/9.Deep_learning/class_7_computer_vision.pptx
@@ -5,21 +5,21 @@
     <p:sldMasterId id="2147483648" r:id="rId1"/>
   </p:sldMasterIdLst>
   <p:notesMasterIdLst>
-    <p:notesMasterId r:id="rId15"/>
+    <p:notesMasterId r:id="rId7"/>
   </p:notesMasterIdLst>
   <p:sldIdLst>
     <p:sldId id="402" r:id="rId3"/>
     <p:sldId id="393" r:id="rId4"/>
     <p:sldId id="394" r:id="rId5"/>
     <p:sldId id="368" r:id="rId6"/>
-    <p:sldId id="399" r:id="rId7"/>
-    <p:sldId id="391" r:id="rId8"/>
-    <p:sldId id="392" r:id="rId9"/>
-    <p:sldId id="272" r:id="rId10"/>
-    <p:sldId id="397" r:id="rId11"/>
-    <p:sldId id="400" r:id="rId12"/>
-    <p:sldId id="401" r:id="rId13"/>
-    <p:sldId id="398" r:id="rId14"/>
+    <p:sldId id="399" r:id="rId8"/>
+    <p:sldId id="391" r:id="rId9"/>
+    <p:sldId id="392" r:id="rId10"/>
+    <p:sldId id="272" r:id="rId11"/>
+    <p:sldId id="397" r:id="rId12"/>
+    <p:sldId id="400" r:id="rId13"/>
+    <p:sldId id="401" r:id="rId14"/>
+    <p:sldId id="398" r:id="rId15"/>
   </p:sldIdLst>
   <p:sldSz cx="12192000" cy="6858000"/>
   <p:notesSz cx="6858000" cy="9144000"/>
@@ -469,6 +469,54 @@
 </file>
 
 <file path=ppt/notesSlides/notesSlide1.xml><?xml version="1.0" encoding="utf-8"?>
+<p:notes xmlns:a="http://schemas.openxmlformats.org/drawingml/2006/main" xmlns:r="http://schemas.openxmlformats.org/officeDocument/2006/relationships" xmlns:p="http://schemas.openxmlformats.org/presentationml/2006/main">
+  <p:cSld>
+    <p:spTree>
+      <p:nvGrpSpPr>
+        <p:cNvPr id="1" name=""/>
+        <p:cNvGrpSpPr/>
+        <p:nvPr/>
+      </p:nvGrpSpPr>
+      <p:grpSpPr/>
+      <p:sp>
+        <p:nvSpPr>
+          <p:cNvPr id="2" name="Slide Image Placeholder 1"/>
+          <p:cNvSpPr>
+            <a:spLocks noGrp="1"/>
+          </p:cNvSpPr>
+          <p:nvPr>
+            <p:ph type="sldImg" idx="2"/>
+          </p:nvPr>
+        </p:nvSpPr>
+        <p:spPr/>
+      </p:sp>
+      <p:sp>
+        <p:nvSpPr>
+          <p:cNvPr id="3" name="Text Placeholder 2"/>
+          <p:cNvSpPr>
+            <a:spLocks noGrp="1"/>
+          </p:cNvSpPr>
+          <p:nvPr>
+            <p:ph type="body" idx="3"/>
+          </p:nvPr>
+        </p:nvSpPr>
+        <p:spPr/>
+        <p:txBody>
+          <a:bodyPr/>
+          <a:p>
+            <a:endParaRPr lang="en-US"/>
+          </a:p>
+        </p:txBody>
+      </p:sp>
+    </p:spTree>
+  </p:cSld>
+  <p:clrMapOvr>
+    <a:masterClrMapping/>
+  </p:clrMapOvr>
+</p:notes>
+</file>
+
+<file path=ppt/notesSlides/notesSlide2.xml><?xml version="1.0" encoding="utf-8"?>
 <p:notes xmlns:a="http://schemas.openxmlformats.org/drawingml/2006/main" xmlns:r="http://schemas.openxmlformats.org/officeDocument/2006/relationships" xmlns:p="http://schemas.openxmlformats.org/presentationml/2006/main">
   <p:cSld>
     <p:spTree>
@@ -5145,7 +5193,7 @@
                   </a:outerShdw>
                 </a:effectLst>
               </a:rPr>
-              <a:t> (comparision bw 2 img</a:t>
+              <a:t> (comparision bw 2 img)</a:t>
             </a:r>
             <a:endParaRPr lang="en-IN" altLang="en-US" sz="2400" b="1">
               <a:effectLst>
@@ -6263,7 +6311,7 @@
         <p:spPr>
           <a:xfrm>
             <a:off x="6382385" y="432435"/>
-            <a:ext cx="5801360" cy="1663700"/>
+            <a:ext cx="5494020" cy="1663700"/>
           </a:xfrm>
           <a:prstGeom prst="rect">
             <a:avLst/>
